--- a/docs/DemoBank_Slide.pptx
+++ b/docs/DemoBank_Slide.pptx
@@ -5,7 +5,7 @@
     <p:sldMasterId id="2147483648" r:id="rId1"/>
   </p:sldMasterIdLst>
   <p:notesMasterIdLst>
-    <p:notesMasterId r:id="rId20"/>
+    <p:notesMasterId r:id="rId19"/>
   </p:notesMasterIdLst>
   <p:sldIdLst>
     <p:sldId id="742" r:id="rId2"/>
@@ -19,13 +19,12 @@
     <p:sldId id="764" r:id="rId10"/>
     <p:sldId id="753" r:id="rId11"/>
     <p:sldId id="763" r:id="rId12"/>
-    <p:sldId id="766" r:id="rId13"/>
-    <p:sldId id="756" r:id="rId14"/>
-    <p:sldId id="765" r:id="rId15"/>
-    <p:sldId id="758" r:id="rId16"/>
-    <p:sldId id="762" r:id="rId17"/>
-    <p:sldId id="743" r:id="rId18"/>
-    <p:sldId id="759" r:id="rId19"/>
+    <p:sldId id="756" r:id="rId13"/>
+    <p:sldId id="765" r:id="rId14"/>
+    <p:sldId id="758" r:id="rId15"/>
+    <p:sldId id="762" r:id="rId16"/>
+    <p:sldId id="743" r:id="rId17"/>
+    <p:sldId id="759" r:id="rId18"/>
   </p:sldIdLst>
   <p:sldSz cx="12192000" cy="6858000"/>
   <p:notesSz cx="6858000" cy="9144000"/>
@@ -231,7 +230,7 @@
 <file path=ppt/revisionInfo.xml><?xml version="1.0" encoding="utf-8"?>
 <p1510:revInfo xmlns:a="http://schemas.openxmlformats.org/drawingml/2006/main" xmlns:r="http://schemas.openxmlformats.org/officeDocument/2006/relationships" xmlns:p1510="http://schemas.microsoft.com/office/powerpoint/2015/10/main">
   <p1510:revLst>
-    <p1510:client id="{A3D4C267-CC07-7A49-8920-B52DF6ED93EA}" v="204" dt="2023-10-23T08:37:21.588"/>
+    <p1510:client id="{A3D4C267-CC07-7A49-8920-B52DF6ED93EA}" v="261" dt="2023-10-23T09:49:29.586"/>
   </p1510:revLst>
 </p1510:revInfo>
 </file>
@@ -1279,7 +1278,7 @@
           <a:p>
             <a:fld id="{B54E9774-26C6-4288-8776-D66481D44710}" type="slidenum">
               <a:rPr lang="en-US" smtClean="0"/>
-              <a:t>13</a:t>
+              <a:t>12</a:t>
             </a:fld>
             <a:endParaRPr lang="en-US"/>
           </a:p>
@@ -1387,7 +1386,7 @@
           <a:p>
             <a:fld id="{B54E9774-26C6-4288-8776-D66481D44710}" type="slidenum">
               <a:rPr lang="en-US" smtClean="0"/>
-              <a:t>16</a:t>
+              <a:t>15</a:t>
             </a:fld>
             <a:endParaRPr lang="en-US"/>
           </a:p>
@@ -1476,7 +1475,7 @@
           <a:p>
             <a:fld id="{8176AA17-6443-4A5C-B72D-23A3C941D7AB}" type="slidenum">
               <a:rPr lang="en-GB" smtClean="0"/>
-              <a:t>17</a:t>
+              <a:t>16</a:t>
             </a:fld>
             <a:endParaRPr lang="en-GB" dirty="0"/>
           </a:p>
@@ -13226,8 +13225,8 @@
         </p:blipFill>
         <p:spPr>
           <a:xfrm>
-            <a:off x="4813620" y="414196"/>
-            <a:ext cx="5481462" cy="3014804"/>
+            <a:off x="6096000" y="137197"/>
+            <a:ext cx="4075007" cy="2241254"/>
           </a:xfrm>
           <a:prstGeom prst="rect">
             <a:avLst/>
@@ -13248,8 +13247,8 @@
         </p:nvSpPr>
         <p:spPr>
           <a:xfrm>
-            <a:off x="829963" y="736024"/>
-            <a:ext cx="2840182" cy="2371148"/>
+            <a:off x="829963" y="826765"/>
+            <a:ext cx="2840182" cy="862117"/>
           </a:xfrm>
           <a:prstGeom prst="rect">
             <a:avLst/>
@@ -13270,7 +13269,7 @@
               </a:spcAft>
             </a:pPr>
             <a:r>
-              <a:rPr lang="en-US" sz="3200" kern="1200" dirty="0">
+              <a:rPr lang="en-US" sz="2000" kern="1200" dirty="0">
                 <a:solidFill>
                   <a:schemeClr val="tx1">
                     <a:lumMod val="50000"/>
@@ -13299,7 +13298,7 @@
         </p:nvSpPr>
         <p:spPr>
           <a:xfrm>
-            <a:off x="6862120" y="3429000"/>
+            <a:off x="7282250" y="2378451"/>
             <a:ext cx="2117887" cy="276999"/>
           </a:xfrm>
           <a:prstGeom prst="rect">
@@ -13308,7 +13307,7 @@
           <a:noFill/>
         </p:spPr>
         <p:txBody>
-          <a:bodyPr wrap="none" rtlCol="0">
+          <a:bodyPr wrap="square" rtlCol="0">
             <a:spAutoFit/>
           </a:bodyPr>
           <a:lstStyle/>
@@ -13334,8 +13333,8 @@
         </p:nvSpPr>
         <p:spPr>
           <a:xfrm>
-            <a:off x="829963" y="4125894"/>
-            <a:ext cx="2840182" cy="2371148"/>
+            <a:off x="829963" y="3201828"/>
+            <a:ext cx="2840182" cy="454344"/>
           </a:xfrm>
           <a:prstGeom prst="rect">
             <a:avLst/>
@@ -13356,7 +13355,7 @@
               </a:spcAft>
             </a:pPr>
             <a:r>
-              <a:rPr lang="en-US" sz="3200" kern="1200" dirty="0">
+              <a:rPr lang="en-US" sz="2000" kern="1200" dirty="0">
                 <a:solidFill>
                   <a:schemeClr val="tx1">
                     <a:lumMod val="50000"/>
@@ -13385,7 +13384,7 @@
         </p:nvSpPr>
         <p:spPr>
           <a:xfrm>
-            <a:off x="5249498" y="4849803"/>
+            <a:off x="6096000" y="2967335"/>
             <a:ext cx="5343129" cy="923330"/>
           </a:xfrm>
           <a:prstGeom prst="rect">
@@ -13426,6 +13425,101 @@
           </a:p>
         </p:txBody>
       </p:sp>
+      <p:sp>
+        <p:nvSpPr>
+          <p:cNvPr id="4" name="TextBox 3">
+            <a:extLst>
+              <a:ext uri="{FF2B5EF4-FFF2-40B4-BE49-F238E27FC236}">
+                <a16:creationId xmlns:a16="http://schemas.microsoft.com/office/drawing/2014/main" id="{3B52CECA-47FC-DF73-8E25-51308A462E77}"/>
+              </a:ext>
+            </a:extLst>
+          </p:cNvPr>
+          <p:cNvSpPr txBox="1"/>
+          <p:nvPr/>
+        </p:nvSpPr>
+        <p:spPr>
+          <a:xfrm>
+            <a:off x="829963" y="4941945"/>
+            <a:ext cx="3816178" cy="618595"/>
+          </a:xfrm>
+          <a:prstGeom prst="rect">
+            <a:avLst/>
+          </a:prstGeom>
+        </p:spPr>
+        <p:txBody>
+          <a:bodyPr vert="horz" lIns="91440" tIns="45720" rIns="91440" bIns="45720" rtlCol="0" anchor="ctr">
+            <a:normAutofit/>
+          </a:bodyPr>
+          <a:lstStyle/>
+          <a:p>
+            <a:pPr eaLnBrk="1" hangingPunct="1">
+              <a:lnSpc>
+                <a:spcPct val="90000"/>
+              </a:lnSpc>
+              <a:spcAft>
+                <a:spcPts val="600"/>
+              </a:spcAft>
+            </a:pPr>
+            <a:r>
+              <a:rPr lang="en-US" sz="2000" kern="1200" dirty="0">
+                <a:solidFill>
+                  <a:schemeClr val="tx1">
+                    <a:lumMod val="50000"/>
+                  </a:schemeClr>
+                </a:solidFill>
+                <a:latin typeface="+mj-lt"/>
+                <a:ea typeface="+mj-ea"/>
+                <a:cs typeface="+mj-cs"/>
+              </a:rPr>
+              <a:t>Handle Categorical Features</a:t>
+            </a:r>
+          </a:p>
+        </p:txBody>
+      </p:sp>
+      <p:sp>
+        <p:nvSpPr>
+          <p:cNvPr id="5" name="TextBox 4">
+            <a:extLst>
+              <a:ext uri="{FF2B5EF4-FFF2-40B4-BE49-F238E27FC236}">
+                <a16:creationId xmlns:a16="http://schemas.microsoft.com/office/drawing/2014/main" id="{9AF1AD99-1377-DE60-E9DD-211BA14ACCE5}"/>
+              </a:ext>
+            </a:extLst>
+          </p:cNvPr>
+          <p:cNvSpPr txBox="1"/>
+          <p:nvPr/>
+        </p:nvSpPr>
+        <p:spPr>
+          <a:xfrm>
+            <a:off x="6096000" y="4789577"/>
+            <a:ext cx="2044149" cy="923330"/>
+          </a:xfrm>
+          <a:prstGeom prst="rect">
+            <a:avLst/>
+          </a:prstGeom>
+          <a:noFill/>
+        </p:spPr>
+        <p:txBody>
+          <a:bodyPr wrap="none" rtlCol="0">
+            <a:spAutoFit/>
+          </a:bodyPr>
+          <a:lstStyle/>
+          <a:p>
+            <a:r>
+              <a:rPr lang="en-VN" dirty="0"/>
+              <a:t>One-hot Encoding</a:t>
+            </a:r>
+          </a:p>
+          <a:p>
+            <a:endParaRPr lang="en-VN" dirty="0"/>
+          </a:p>
+          <a:p>
+            <a:r>
+              <a:rPr lang="en-VN" dirty="0"/>
+              <a:t>Label Encoding</a:t>
+            </a:r>
+          </a:p>
+        </p:txBody>
+      </p:sp>
     </p:spTree>
     <p:extLst>
       <p:ext uri="{BB962C8B-B14F-4D97-AF65-F5344CB8AC3E}">
@@ -13448,205 +13542,6 @@
 </file>
 
 <file path=ppt/slides/slide12.xml><?xml version="1.0" encoding="utf-8"?>
-<p:sld xmlns:a="http://schemas.openxmlformats.org/drawingml/2006/main" xmlns:r="http://schemas.openxmlformats.org/officeDocument/2006/relationships" xmlns:p="http://schemas.openxmlformats.org/presentationml/2006/main">
-  <p:cSld>
-    <p:spTree>
-      <p:nvGrpSpPr>
-        <p:cNvPr id="1" name=""/>
-        <p:cNvGrpSpPr/>
-        <p:nvPr/>
-      </p:nvGrpSpPr>
-      <p:grpSpPr>
-        <a:xfrm>
-          <a:off x="0" y="0"/>
-          <a:ext cx="0" cy="0"/>
-          <a:chOff x="0" y="0"/>
-          <a:chExt cx="0" cy="0"/>
-        </a:xfrm>
-      </p:grpSpPr>
-      <p:graphicFrame>
-        <p:nvGraphicFramePr>
-          <p:cNvPr id="3" name="Table 3">
-            <a:extLst>
-              <a:ext uri="{FF2B5EF4-FFF2-40B4-BE49-F238E27FC236}">
-                <a16:creationId xmlns:a16="http://schemas.microsoft.com/office/drawing/2014/main" id="{FE5D339A-97A2-94D7-E749-4750E988A9AE}"/>
-              </a:ext>
-            </a:extLst>
-          </p:cNvPr>
-          <p:cNvGraphicFramePr>
-            <a:graphicFrameLocks noGrp="1"/>
-          </p:cNvGraphicFramePr>
-          <p:nvPr>
-            <p:extLst>
-              <p:ext uri="{D42A27DB-BD31-4B8C-83A1-F6EECF244321}">
-                <p14:modId xmlns:p14="http://schemas.microsoft.com/office/powerpoint/2010/main" val="1130278164"/>
-              </p:ext>
-            </p:extLst>
-          </p:nvPr>
-        </p:nvGraphicFramePr>
-        <p:xfrm>
-          <a:off x="2032000" y="719666"/>
-          <a:ext cx="8128000" cy="1483360"/>
-        </p:xfrm>
-        <a:graphic>
-          <a:graphicData uri="http://schemas.openxmlformats.org/drawingml/2006/table">
-            <a:tbl>
-              <a:tblPr firstRow="1" bandRow="1">
-                <a:tableStyleId>{5C22544A-7EE6-4342-B048-85BDC9FD1C3A}</a:tableStyleId>
-              </a:tblPr>
-              <a:tblGrid>
-                <a:gridCol w="4064000">
-                  <a:extLst>
-                    <a:ext uri="{9D8B030D-6E8A-4147-A177-3AD203B41FA5}">
-                      <a16:colId xmlns:a16="http://schemas.microsoft.com/office/drawing/2014/main" val="1803109951"/>
-                    </a:ext>
-                  </a:extLst>
-                </a:gridCol>
-                <a:gridCol w="4064000">
-                  <a:extLst>
-                    <a:ext uri="{9D8B030D-6E8A-4147-A177-3AD203B41FA5}">
-                      <a16:colId xmlns:a16="http://schemas.microsoft.com/office/drawing/2014/main" val="2861803206"/>
-                    </a:ext>
-                  </a:extLst>
-                </a:gridCol>
-              </a:tblGrid>
-              <a:tr h="370840">
-                <a:tc>
-                  <a:txBody>
-                    <a:bodyPr/>
-                    <a:lstStyle/>
-                    <a:p>
-                      <a:r>
-                        <a:rPr lang="en-VN" dirty="0"/>
-                        <a:t>Feature</a:t>
-                      </a:r>
-                    </a:p>
-                  </a:txBody>
-                  <a:tcPr/>
-                </a:tc>
-                <a:tc>
-                  <a:txBody>
-                    <a:bodyPr/>
-                    <a:lstStyle/>
-                    <a:p>
-                      <a:endParaRPr lang="en-VN"/>
-                    </a:p>
-                  </a:txBody>
-                  <a:tcPr/>
-                </a:tc>
-                <a:extLst>
-                  <a:ext uri="{0D108BD9-81ED-4DB2-BD59-A6C34878D82A}">
-                    <a16:rowId xmlns:a16="http://schemas.microsoft.com/office/drawing/2014/main" val="638072606"/>
-                  </a:ext>
-                </a:extLst>
-              </a:tr>
-              <a:tr h="370840">
-                <a:tc>
-                  <a:txBody>
-                    <a:bodyPr/>
-                    <a:lstStyle/>
-                    <a:p>
-                      <a:endParaRPr lang="en-VN"/>
-                    </a:p>
-                  </a:txBody>
-                  <a:tcPr/>
-                </a:tc>
-                <a:tc>
-                  <a:txBody>
-                    <a:bodyPr/>
-                    <a:lstStyle/>
-                    <a:p>
-                      <a:endParaRPr lang="en-VN"/>
-                    </a:p>
-                  </a:txBody>
-                  <a:tcPr/>
-                </a:tc>
-                <a:extLst>
-                  <a:ext uri="{0D108BD9-81ED-4DB2-BD59-A6C34878D82A}">
-                    <a16:rowId xmlns:a16="http://schemas.microsoft.com/office/drawing/2014/main" val="3306456952"/>
-                  </a:ext>
-                </a:extLst>
-              </a:tr>
-              <a:tr h="370840">
-                <a:tc>
-                  <a:txBody>
-                    <a:bodyPr/>
-                    <a:lstStyle/>
-                    <a:p>
-                      <a:endParaRPr lang="en-VN"/>
-                    </a:p>
-                  </a:txBody>
-                  <a:tcPr/>
-                </a:tc>
-                <a:tc>
-                  <a:txBody>
-                    <a:bodyPr/>
-                    <a:lstStyle/>
-                    <a:p>
-                      <a:endParaRPr lang="en-VN"/>
-                    </a:p>
-                  </a:txBody>
-                  <a:tcPr/>
-                </a:tc>
-                <a:extLst>
-                  <a:ext uri="{0D108BD9-81ED-4DB2-BD59-A6C34878D82A}">
-                    <a16:rowId xmlns:a16="http://schemas.microsoft.com/office/drawing/2014/main" val="3209451896"/>
-                  </a:ext>
-                </a:extLst>
-              </a:tr>
-              <a:tr h="370840">
-                <a:tc>
-                  <a:txBody>
-                    <a:bodyPr/>
-                    <a:lstStyle/>
-                    <a:p>
-                      <a:endParaRPr lang="en-VN"/>
-                    </a:p>
-                  </a:txBody>
-                  <a:tcPr/>
-                </a:tc>
-                <a:tc>
-                  <a:txBody>
-                    <a:bodyPr/>
-                    <a:lstStyle/>
-                    <a:p>
-                      <a:endParaRPr lang="en-VN" dirty="0"/>
-                    </a:p>
-                  </a:txBody>
-                  <a:tcPr/>
-                </a:tc>
-                <a:extLst>
-                  <a:ext uri="{0D108BD9-81ED-4DB2-BD59-A6C34878D82A}">
-                    <a16:rowId xmlns:a16="http://schemas.microsoft.com/office/drawing/2014/main" val="598346642"/>
-                  </a:ext>
-                </a:extLst>
-              </a:tr>
-            </a:tbl>
-          </a:graphicData>
-        </a:graphic>
-      </p:graphicFrame>
-    </p:spTree>
-    <p:extLst>
-      <p:ext uri="{BB962C8B-B14F-4D97-AF65-F5344CB8AC3E}">
-        <p14:creationId xmlns:p14="http://schemas.microsoft.com/office/powerpoint/2010/main" val="910495121"/>
-      </p:ext>
-    </p:extLst>
-  </p:cSld>
-  <p:clrMapOvr>
-    <a:masterClrMapping/>
-  </p:clrMapOvr>
-  <mc:AlternateContent xmlns:mc="http://schemas.openxmlformats.org/markup-compatibility/2006" xmlns:p14="http://schemas.microsoft.com/office/powerpoint/2010/main">
-    <mc:Choice Requires="p14">
-      <p:transition p14:dur="10"/>
-    </mc:Choice>
-    <mc:Fallback xmlns="">
-      <p:transition/>
-    </mc:Fallback>
-  </mc:AlternateContent>
-</p:sld>
-</file>
-
-<file path=ppt/slides/slide13.xml><?xml version="1.0" encoding="utf-8"?>
 <p:sld xmlns:a="http://schemas.openxmlformats.org/drawingml/2006/main" xmlns:r="http://schemas.openxmlformats.org/officeDocument/2006/relationships" xmlns:p="http://schemas.openxmlformats.org/presentationml/2006/main">
   <p:cSld>
     <p:spTree>
@@ -13843,7 +13738,7 @@
 </p:sld>
 </file>
 
-<file path=ppt/slides/slide14.xml><?xml version="1.0" encoding="utf-8"?>
+<file path=ppt/slides/slide13.xml><?xml version="1.0" encoding="utf-8"?>
 <p:sld xmlns:a="http://schemas.openxmlformats.org/drawingml/2006/main" xmlns:r="http://schemas.openxmlformats.org/officeDocument/2006/relationships" xmlns:p="http://schemas.openxmlformats.org/presentationml/2006/main">
   <p:cSld>
     <p:spTree>
@@ -13888,8 +13783,8 @@
         </p:blipFill>
         <p:spPr>
           <a:xfrm>
-            <a:off x="7780278" y="355328"/>
-            <a:ext cx="2487398" cy="3651712"/>
+            <a:off x="7857655" y="955432"/>
+            <a:ext cx="3369788" cy="4947136"/>
           </a:xfrm>
           <a:prstGeom prst="rect">
             <a:avLst/>
@@ -13910,7 +13805,7 @@
         </p:nvSpPr>
         <p:spPr>
           <a:xfrm>
-            <a:off x="8431398" y="4083984"/>
+            <a:off x="8918892" y="6005178"/>
             <a:ext cx="1409360" cy="261610"/>
           </a:xfrm>
           <a:prstGeom prst="rect">
@@ -13927,6 +13822,209 @@
             <a:r>
               <a:rPr lang="en-VN" sz="1100" i="1" dirty="0"/>
               <a:t>Model Flow Diagram</a:t>
+            </a:r>
+          </a:p>
+        </p:txBody>
+      </p:sp>
+      <p:sp>
+        <p:nvSpPr>
+          <p:cNvPr id="4" name="TextBox 3">
+            <a:extLst>
+              <a:ext uri="{FF2B5EF4-FFF2-40B4-BE49-F238E27FC236}">
+                <a16:creationId xmlns:a16="http://schemas.microsoft.com/office/drawing/2014/main" id="{6EC80E23-9AAA-D30D-4A50-DBB124F57CEA}"/>
+              </a:ext>
+            </a:extLst>
+          </p:cNvPr>
+          <p:cNvSpPr txBox="1"/>
+          <p:nvPr/>
+        </p:nvSpPr>
+        <p:spPr>
+          <a:xfrm>
+            <a:off x="785858" y="955432"/>
+            <a:ext cx="2191626" cy="1878206"/>
+          </a:xfrm>
+          <a:prstGeom prst="rect">
+            <a:avLst/>
+          </a:prstGeom>
+          <a:noFill/>
+        </p:spPr>
+        <p:txBody>
+          <a:bodyPr wrap="none" rtlCol="0">
+            <a:spAutoFit/>
+          </a:bodyPr>
+          <a:lstStyle/>
+          <a:p>
+            <a:pPr>
+              <a:lnSpc>
+                <a:spcPct val="150000"/>
+              </a:lnSpc>
+            </a:pPr>
+            <a:r>
+              <a:rPr lang="en-VN" sz="2000" dirty="0">
+                <a:solidFill>
+                  <a:srgbClr val="D51931"/>
+                </a:solidFill>
+              </a:rPr>
+              <a:t>Models:</a:t>
+            </a:r>
+          </a:p>
+          <a:p>
+            <a:pPr marL="285750" indent="-285750">
+              <a:lnSpc>
+                <a:spcPct val="150000"/>
+              </a:lnSpc>
+              <a:buFontTx/>
+              <a:buChar char="-"/>
+            </a:pPr>
+            <a:r>
+              <a:rPr lang="en-VN" sz="2000" dirty="0"/>
+              <a:t>LightGBM</a:t>
+            </a:r>
+          </a:p>
+          <a:p>
+            <a:pPr marL="285750" indent="-285750">
+              <a:lnSpc>
+                <a:spcPct val="150000"/>
+              </a:lnSpc>
+              <a:buFontTx/>
+              <a:buChar char="-"/>
+            </a:pPr>
+            <a:r>
+              <a:rPr lang="en-VN" sz="2000" dirty="0"/>
+              <a:t>XGBoost</a:t>
+            </a:r>
+          </a:p>
+          <a:p>
+            <a:pPr marL="285750" indent="-285750">
+              <a:lnSpc>
+                <a:spcPct val="150000"/>
+              </a:lnSpc>
+              <a:buFontTx/>
+              <a:buChar char="-"/>
+            </a:pPr>
+            <a:r>
+              <a:rPr lang="en-VN" sz="2000" dirty="0"/>
+              <a:t>Random Forest</a:t>
+            </a:r>
+          </a:p>
+        </p:txBody>
+      </p:sp>
+      <p:sp>
+        <p:nvSpPr>
+          <p:cNvPr id="6" name="TextBox 5">
+            <a:extLst>
+              <a:ext uri="{FF2B5EF4-FFF2-40B4-BE49-F238E27FC236}">
+                <a16:creationId xmlns:a16="http://schemas.microsoft.com/office/drawing/2014/main" id="{FE10F6E5-9BB7-D626-3348-81490E0D7832}"/>
+              </a:ext>
+            </a:extLst>
+          </p:cNvPr>
+          <p:cNvSpPr txBox="1"/>
+          <p:nvPr/>
+        </p:nvSpPr>
+        <p:spPr>
+          <a:xfrm>
+            <a:off x="914400" y="3657600"/>
+            <a:ext cx="4703532" cy="2339871"/>
+          </a:xfrm>
+          <a:prstGeom prst="rect">
+            <a:avLst/>
+          </a:prstGeom>
+          <a:noFill/>
+        </p:spPr>
+        <p:txBody>
+          <a:bodyPr wrap="none" rtlCol="0">
+            <a:spAutoFit/>
+          </a:bodyPr>
+          <a:lstStyle/>
+          <a:p>
+            <a:pPr>
+              <a:lnSpc>
+                <a:spcPct val="150000"/>
+              </a:lnSpc>
+            </a:pPr>
+            <a:r>
+              <a:rPr lang="en-VN" sz="2000" dirty="0">
+                <a:solidFill>
+                  <a:srgbClr val="D51931"/>
+                </a:solidFill>
+              </a:rPr>
+              <a:t>Pros:</a:t>
+            </a:r>
+          </a:p>
+          <a:p>
+            <a:pPr marL="285750" indent="-285750">
+              <a:lnSpc>
+                <a:spcPct val="150000"/>
+              </a:lnSpc>
+              <a:buFontTx/>
+              <a:buChar char="-"/>
+            </a:pPr>
+            <a:r>
+              <a:rPr lang="en-VN" sz="2000" dirty="0">
+                <a:solidFill>
+                  <a:schemeClr val="tx1">
+                    <a:lumMod val="50000"/>
+                  </a:schemeClr>
+                </a:solidFill>
+              </a:rPr>
+              <a:t>Can easily handle categorical features</a:t>
+            </a:r>
+          </a:p>
+          <a:p>
+            <a:pPr marL="285750" indent="-285750">
+              <a:lnSpc>
+                <a:spcPct val="150000"/>
+              </a:lnSpc>
+              <a:buFontTx/>
+              <a:buChar char="-"/>
+            </a:pPr>
+            <a:r>
+              <a:rPr lang="en-VN" sz="2000" dirty="0">
+                <a:solidFill>
+                  <a:schemeClr val="tx1">
+                    <a:lumMod val="50000"/>
+                  </a:schemeClr>
+                </a:solidFill>
+              </a:rPr>
+              <a:t>Explainable</a:t>
+            </a:r>
+          </a:p>
+          <a:p>
+            <a:pPr marL="285750" indent="-285750">
+              <a:lnSpc>
+                <a:spcPct val="150000"/>
+              </a:lnSpc>
+              <a:buFontTx/>
+              <a:buChar char="-"/>
+            </a:pPr>
+            <a:r>
+              <a:rPr lang="en-VN" sz="2000" dirty="0">
+                <a:solidFill>
+                  <a:schemeClr val="tx1">
+                    <a:lumMod val="50000"/>
+                  </a:schemeClr>
+                </a:solidFill>
+              </a:rPr>
+              <a:t>Robust to missing data</a:t>
+            </a:r>
+          </a:p>
+          <a:p>
+            <a:pPr marL="285750" indent="-285750">
+              <a:lnSpc>
+                <a:spcPct val="150000"/>
+              </a:lnSpc>
+              <a:buFontTx/>
+              <a:buChar char="-"/>
+            </a:pPr>
+            <a:r>
+              <a:rPr lang="en-VN" sz="2000" dirty="0">
+                <a:solidFill>
+                  <a:schemeClr val="tx1">
+                    <a:lumMod val="50000"/>
+                  </a:schemeClr>
+                </a:solidFill>
+              </a:rPr>
+              <a:t>Best models among others</a:t>
             </a:r>
           </a:p>
         </p:txBody>
@@ -13952,7 +14050,7 @@
 </p:sld>
 </file>
 
-<file path=ppt/slides/slide15.xml><?xml version="1.0" encoding="utf-8"?>
+<file path=ppt/slides/slide14.xml><?xml version="1.0" encoding="utf-8"?>
 <p:sld xmlns:a="http://schemas.openxmlformats.org/drawingml/2006/main" xmlns:r="http://schemas.openxmlformats.org/officeDocument/2006/relationships" xmlns:p="http://schemas.openxmlformats.org/presentationml/2006/main">
   <p:cSld>
     <p:spTree>
@@ -14080,13 +14178,13 @@
           <p:nvPr>
             <p:extLst>
               <p:ext uri="{D42A27DB-BD31-4B8C-83A1-F6EECF244321}">
-                <p14:modId xmlns:p14="http://schemas.microsoft.com/office/powerpoint/2010/main" val="1281357583"/>
+                <p14:modId xmlns:p14="http://schemas.microsoft.com/office/powerpoint/2010/main" val="1043060094"/>
               </p:ext>
             </p:extLst>
           </p:nvPr>
         </p:nvGraphicFramePr>
         <p:xfrm>
-          <a:off x="7026949" y="4684148"/>
+          <a:off x="7199777" y="4407149"/>
           <a:ext cx="3994056" cy="1590704"/>
         </p:xfrm>
         <a:graphic>
@@ -14494,7 +14592,7 @@
         </p:nvSpPr>
         <p:spPr>
           <a:xfrm>
-            <a:off x="8431398" y="6274852"/>
+            <a:off x="8604226" y="5997853"/>
             <a:ext cx="1226618" cy="276999"/>
           </a:xfrm>
           <a:prstGeom prst="rect">
@@ -14511,6 +14609,71 @@
             <a:r>
               <a:rPr lang="en-VN" sz="1200" i="1" dirty="0"/>
               <a:t>Evaluation table</a:t>
+            </a:r>
+          </a:p>
+        </p:txBody>
+      </p:sp>
+      <p:pic>
+        <p:nvPicPr>
+          <p:cNvPr id="13" name="Picture 12">
+            <a:extLst>
+              <a:ext uri="{FF2B5EF4-FFF2-40B4-BE49-F238E27FC236}">
+                <a16:creationId xmlns:a16="http://schemas.microsoft.com/office/drawing/2014/main" id="{75422F52-876F-EB95-4ACE-F83106E5F527}"/>
+              </a:ext>
+            </a:extLst>
+          </p:cNvPr>
+          <p:cNvPicPr>
+            <a:picLocks noChangeAspect="1"/>
+          </p:cNvPicPr>
+          <p:nvPr/>
+        </p:nvPicPr>
+        <p:blipFill>
+          <a:blip r:embed="rId3"/>
+          <a:stretch>
+            <a:fillRect/>
+          </a:stretch>
+        </p:blipFill>
+        <p:spPr>
+          <a:xfrm>
+            <a:off x="4366725" y="306149"/>
+            <a:ext cx="6827108" cy="3392969"/>
+          </a:xfrm>
+          <a:prstGeom prst="rect">
+            <a:avLst/>
+          </a:prstGeom>
+        </p:spPr>
+      </p:pic>
+      <p:sp>
+        <p:nvSpPr>
+          <p:cNvPr id="14" name="TextBox 13">
+            <a:extLst>
+              <a:ext uri="{FF2B5EF4-FFF2-40B4-BE49-F238E27FC236}">
+                <a16:creationId xmlns:a16="http://schemas.microsoft.com/office/drawing/2014/main" id="{22BB07A0-BB1D-695F-9DEC-27C050DD40C7}"/>
+              </a:ext>
+            </a:extLst>
+          </p:cNvPr>
+          <p:cNvSpPr txBox="1"/>
+          <p:nvPr/>
+        </p:nvSpPr>
+        <p:spPr>
+          <a:xfrm>
+            <a:off x="7569733" y="3611797"/>
+            <a:ext cx="1454244" cy="276999"/>
+          </a:xfrm>
+          <a:prstGeom prst="rect">
+            <a:avLst/>
+          </a:prstGeom>
+          <a:noFill/>
+        </p:spPr>
+        <p:txBody>
+          <a:bodyPr wrap="none" rtlCol="0">
+            <a:spAutoFit/>
+          </a:bodyPr>
+          <a:lstStyle/>
+          <a:p>
+            <a:r>
+              <a:rPr lang="en-VN" sz="1200" i="1" dirty="0"/>
+              <a:t>Feature Importance</a:t>
             </a:r>
           </a:p>
         </p:txBody>
@@ -14619,7 +14782,7 @@
 </p:sld>
 </file>
 
-<file path=ppt/slides/slide16.xml><?xml version="1.0" encoding="utf-8"?>
+<file path=ppt/slides/slide15.xml><?xml version="1.0" encoding="utf-8"?>
 <p:sld xmlns:a="http://schemas.openxmlformats.org/drawingml/2006/main" xmlns:r="http://schemas.openxmlformats.org/officeDocument/2006/relationships" xmlns:p="http://schemas.openxmlformats.org/presentationml/2006/main">
   <p:cSld>
     <p:spTree>
@@ -14816,7 +14979,7 @@
 </p:sld>
 </file>
 
-<file path=ppt/slides/slide17.xml><?xml version="1.0" encoding="utf-8"?>
+<file path=ppt/slides/slide16.xml><?xml version="1.0" encoding="utf-8"?>
 <p:sld xmlns:a="http://schemas.openxmlformats.org/drawingml/2006/main" xmlns:r="http://schemas.openxmlformats.org/officeDocument/2006/relationships" xmlns:p="http://schemas.openxmlformats.org/presentationml/2006/main">
   <p:cSld>
     <p:bg>
@@ -15010,7 +15173,7 @@
 </p:sld>
 </file>
 
-<file path=ppt/slides/slide18.xml><?xml version="1.0" encoding="utf-8"?>
+<file path=ppt/slides/slide17.xml><?xml version="1.0" encoding="utf-8"?>
 <p:sld xmlns:a="http://schemas.openxmlformats.org/drawingml/2006/main" xmlns:r="http://schemas.openxmlformats.org/officeDocument/2006/relationships" xmlns:p="http://schemas.openxmlformats.org/presentationml/2006/main">
   <p:cSld>
     <p:spTree>
